--- a/ppt 16-9/0394.跟随救主.pptx
+++ b/ppt 16-9/0394.跟随救主.pptx
@@ -5,7 +5,7 @@
     <p:sldMasterId id="2147483648" r:id="rId1"/>
   </p:sldMasterIdLst>
   <p:sldIdLst>
-    <p:sldId id="3318" r:id="rId2"/>
+    <p:sldId id="3319" r:id="rId2"/>
   </p:sldIdLst>
   <p:sldSz cx="12192000" cy="6858000"/>
   <p:notesSz cx="6858000" cy="9144000"/>
@@ -129,7 +129,7 @@
           <p:cNvPr id="2" name="标题 1">
             <a:extLst>
               <a:ext uri="{FF2B5EF4-FFF2-40B4-BE49-F238E27FC236}">
-                <a16:creationId xmlns:a16="http://schemas.microsoft.com/office/drawing/2014/main" id="{C0C6F9B9-9CB6-9630-FCFF-D42BFD30D9D8}"/>
+                <a16:creationId xmlns:a16="http://schemas.microsoft.com/office/drawing/2014/main" id="{AF4B341E-557B-1A64-6C86-E9C71CAF8564}"/>
               </a:ext>
             </a:extLst>
           </p:cNvPr>
@@ -166,7 +166,7 @@
           <p:cNvPr id="3" name="副标题 2">
             <a:extLst>
               <a:ext uri="{FF2B5EF4-FFF2-40B4-BE49-F238E27FC236}">
-                <a16:creationId xmlns:a16="http://schemas.microsoft.com/office/drawing/2014/main" id="{A8214A31-3291-C1BD-0539-91A2E1670050}"/>
+                <a16:creationId xmlns:a16="http://schemas.microsoft.com/office/drawing/2014/main" id="{ADC7E3D8-3171-3DBF-FCBC-F37E6E7CD591}"/>
               </a:ext>
             </a:extLst>
           </p:cNvPr>
@@ -236,7 +236,7 @@
           <p:cNvPr id="4" name="日期占位符 3">
             <a:extLst>
               <a:ext uri="{FF2B5EF4-FFF2-40B4-BE49-F238E27FC236}">
-                <a16:creationId xmlns:a16="http://schemas.microsoft.com/office/drawing/2014/main" id="{C2B017EA-34AA-5572-1528-C28530606DBD}"/>
+                <a16:creationId xmlns:a16="http://schemas.microsoft.com/office/drawing/2014/main" id="{53636DA7-16EF-F6BB-3BDF-287B384F6425}"/>
               </a:ext>
             </a:extLst>
           </p:cNvPr>
@@ -252,7 +252,7 @@
           <a:bodyPr/>
           <a:lstStyle/>
           <a:p>
-            <a:fld id="{ABC8152E-0E85-4E67-B25A-8AD08B6B68E1}" type="datetimeFigureOut">
+            <a:fld id="{79AC3370-951D-4389-9795-11E86449AED7}" type="datetimeFigureOut">
               <a:rPr lang="zh-CN" altLang="en-US" smtClean="0"/>
               <a:t>2024/3/10</a:t>
             </a:fld>
@@ -265,7 +265,7 @@
           <p:cNvPr id="5" name="页脚占位符 4">
             <a:extLst>
               <a:ext uri="{FF2B5EF4-FFF2-40B4-BE49-F238E27FC236}">
-                <a16:creationId xmlns:a16="http://schemas.microsoft.com/office/drawing/2014/main" id="{646F6A86-37F3-1B2D-C7EA-AEB1D435EF56}"/>
+                <a16:creationId xmlns:a16="http://schemas.microsoft.com/office/drawing/2014/main" id="{DCE9E75C-B7A0-174F-F6DF-40980A6FC6A5}"/>
               </a:ext>
             </a:extLst>
           </p:cNvPr>
@@ -290,7 +290,7 @@
           <p:cNvPr id="6" name="灯片编号占位符 5">
             <a:extLst>
               <a:ext uri="{FF2B5EF4-FFF2-40B4-BE49-F238E27FC236}">
-                <a16:creationId xmlns:a16="http://schemas.microsoft.com/office/drawing/2014/main" id="{D77E39EB-A804-9B6D-962E-D0D14CFB5FF8}"/>
+                <a16:creationId xmlns:a16="http://schemas.microsoft.com/office/drawing/2014/main" id="{465954C3-D749-05B6-F9F3-667F2ECC4A7C}"/>
               </a:ext>
             </a:extLst>
           </p:cNvPr>
@@ -306,7 +306,7 @@
           <a:bodyPr/>
           <a:lstStyle/>
           <a:p>
-            <a:fld id="{14C52ADF-961C-4221-9537-EE5D45A277AD}" type="slidenum">
+            <a:fld id="{7B52ADDF-65B3-4A45-95E7-E654109108DA}" type="slidenum">
               <a:rPr lang="zh-CN" altLang="en-US" smtClean="0"/>
               <a:t>‹#›</a:t>
             </a:fld>
@@ -317,7 +317,7 @@
     </p:spTree>
     <p:extLst>
       <p:ext uri="{BB962C8B-B14F-4D97-AF65-F5344CB8AC3E}">
-        <p14:creationId xmlns:p14="http://schemas.microsoft.com/office/powerpoint/2010/main" val="2847070373"/>
+        <p14:creationId xmlns:p14="http://schemas.microsoft.com/office/powerpoint/2010/main" val="828916772"/>
       </p:ext>
     </p:extLst>
   </p:cSld>
@@ -349,7 +349,7 @@
           <p:cNvPr id="2" name="标题 1">
             <a:extLst>
               <a:ext uri="{FF2B5EF4-FFF2-40B4-BE49-F238E27FC236}">
-                <a16:creationId xmlns:a16="http://schemas.microsoft.com/office/drawing/2014/main" id="{39EED973-6219-6F19-CED2-4DDD86FCCB61}"/>
+                <a16:creationId xmlns:a16="http://schemas.microsoft.com/office/drawing/2014/main" id="{660DC90E-A754-5F54-38EA-4A304A22E562}"/>
               </a:ext>
             </a:extLst>
           </p:cNvPr>
@@ -377,7 +377,7 @@
           <p:cNvPr id="3" name="竖排文字占位符 2">
             <a:extLst>
               <a:ext uri="{FF2B5EF4-FFF2-40B4-BE49-F238E27FC236}">
-                <a16:creationId xmlns:a16="http://schemas.microsoft.com/office/drawing/2014/main" id="{7D6AA69F-A333-5C86-CCC2-21C41F7A824D}"/>
+                <a16:creationId xmlns:a16="http://schemas.microsoft.com/office/drawing/2014/main" id="{FBC23443-B92E-8FB9-28F6-7A3D5C889D16}"/>
               </a:ext>
             </a:extLst>
           </p:cNvPr>
@@ -434,7 +434,7 @@
           <p:cNvPr id="4" name="日期占位符 3">
             <a:extLst>
               <a:ext uri="{FF2B5EF4-FFF2-40B4-BE49-F238E27FC236}">
-                <a16:creationId xmlns:a16="http://schemas.microsoft.com/office/drawing/2014/main" id="{BFDC6952-922F-9552-7171-1F170C7BF09D}"/>
+                <a16:creationId xmlns:a16="http://schemas.microsoft.com/office/drawing/2014/main" id="{78D91EC5-7972-1FBF-4490-0EBE9AD8300C}"/>
               </a:ext>
             </a:extLst>
           </p:cNvPr>
@@ -450,7 +450,7 @@
           <a:bodyPr/>
           <a:lstStyle/>
           <a:p>
-            <a:fld id="{ABC8152E-0E85-4E67-B25A-8AD08B6B68E1}" type="datetimeFigureOut">
+            <a:fld id="{79AC3370-951D-4389-9795-11E86449AED7}" type="datetimeFigureOut">
               <a:rPr lang="zh-CN" altLang="en-US" smtClean="0"/>
               <a:t>2024/3/10</a:t>
             </a:fld>
@@ -463,7 +463,7 @@
           <p:cNvPr id="5" name="页脚占位符 4">
             <a:extLst>
               <a:ext uri="{FF2B5EF4-FFF2-40B4-BE49-F238E27FC236}">
-                <a16:creationId xmlns:a16="http://schemas.microsoft.com/office/drawing/2014/main" id="{348B9688-168A-0F60-C613-26E29F33B136}"/>
+                <a16:creationId xmlns:a16="http://schemas.microsoft.com/office/drawing/2014/main" id="{DDB27FF2-38FA-AF19-276B-1AB09784BCB8}"/>
               </a:ext>
             </a:extLst>
           </p:cNvPr>
@@ -488,7 +488,7 @@
           <p:cNvPr id="6" name="灯片编号占位符 5">
             <a:extLst>
               <a:ext uri="{FF2B5EF4-FFF2-40B4-BE49-F238E27FC236}">
-                <a16:creationId xmlns:a16="http://schemas.microsoft.com/office/drawing/2014/main" id="{D457ECBF-ABFB-9F35-941D-64B0F31BBE2B}"/>
+                <a16:creationId xmlns:a16="http://schemas.microsoft.com/office/drawing/2014/main" id="{CC092783-591B-0888-390F-8E79B664CF76}"/>
               </a:ext>
             </a:extLst>
           </p:cNvPr>
@@ -504,7 +504,7 @@
           <a:bodyPr/>
           <a:lstStyle/>
           <a:p>
-            <a:fld id="{14C52ADF-961C-4221-9537-EE5D45A277AD}" type="slidenum">
+            <a:fld id="{7B52ADDF-65B3-4A45-95E7-E654109108DA}" type="slidenum">
               <a:rPr lang="zh-CN" altLang="en-US" smtClean="0"/>
               <a:t>‹#›</a:t>
             </a:fld>
@@ -515,7 +515,7 @@
     </p:spTree>
     <p:extLst>
       <p:ext uri="{BB962C8B-B14F-4D97-AF65-F5344CB8AC3E}">
-        <p14:creationId xmlns:p14="http://schemas.microsoft.com/office/powerpoint/2010/main" val="4062044286"/>
+        <p14:creationId xmlns:p14="http://schemas.microsoft.com/office/powerpoint/2010/main" val="1688418838"/>
       </p:ext>
     </p:extLst>
   </p:cSld>
@@ -547,7 +547,7 @@
           <p:cNvPr id="2" name="竖排标题 1">
             <a:extLst>
               <a:ext uri="{FF2B5EF4-FFF2-40B4-BE49-F238E27FC236}">
-                <a16:creationId xmlns:a16="http://schemas.microsoft.com/office/drawing/2014/main" id="{CA94799B-9937-7319-82C6-B7EAC52F3987}"/>
+                <a16:creationId xmlns:a16="http://schemas.microsoft.com/office/drawing/2014/main" id="{ABEFE993-EB5B-CDDB-AF25-D6C8A56CF9FD}"/>
               </a:ext>
             </a:extLst>
           </p:cNvPr>
@@ -580,7 +580,7 @@
           <p:cNvPr id="3" name="竖排文字占位符 2">
             <a:extLst>
               <a:ext uri="{FF2B5EF4-FFF2-40B4-BE49-F238E27FC236}">
-                <a16:creationId xmlns:a16="http://schemas.microsoft.com/office/drawing/2014/main" id="{D6A99A4C-C0EC-BD9A-D584-FBDF0B5050FB}"/>
+                <a16:creationId xmlns:a16="http://schemas.microsoft.com/office/drawing/2014/main" id="{075D6A57-A576-5811-CF05-0DE3139708C7}"/>
               </a:ext>
             </a:extLst>
           </p:cNvPr>
@@ -642,7 +642,7 @@
           <p:cNvPr id="4" name="日期占位符 3">
             <a:extLst>
               <a:ext uri="{FF2B5EF4-FFF2-40B4-BE49-F238E27FC236}">
-                <a16:creationId xmlns:a16="http://schemas.microsoft.com/office/drawing/2014/main" id="{7EFA4EC4-23BC-C70D-4F30-471ADAC3CB28}"/>
+                <a16:creationId xmlns:a16="http://schemas.microsoft.com/office/drawing/2014/main" id="{C9E7A7B5-7338-1596-0837-20C1EE3F27A4}"/>
               </a:ext>
             </a:extLst>
           </p:cNvPr>
@@ -658,7 +658,7 @@
           <a:bodyPr/>
           <a:lstStyle/>
           <a:p>
-            <a:fld id="{ABC8152E-0E85-4E67-B25A-8AD08B6B68E1}" type="datetimeFigureOut">
+            <a:fld id="{79AC3370-951D-4389-9795-11E86449AED7}" type="datetimeFigureOut">
               <a:rPr lang="zh-CN" altLang="en-US" smtClean="0"/>
               <a:t>2024/3/10</a:t>
             </a:fld>
@@ -671,7 +671,7 @@
           <p:cNvPr id="5" name="页脚占位符 4">
             <a:extLst>
               <a:ext uri="{FF2B5EF4-FFF2-40B4-BE49-F238E27FC236}">
-                <a16:creationId xmlns:a16="http://schemas.microsoft.com/office/drawing/2014/main" id="{B3D3E5CE-EC8A-90B5-545E-ED4FCB68C0BF}"/>
+                <a16:creationId xmlns:a16="http://schemas.microsoft.com/office/drawing/2014/main" id="{C073CF1B-C41F-2273-350A-FD3DE6FA2015}"/>
               </a:ext>
             </a:extLst>
           </p:cNvPr>
@@ -696,7 +696,7 @@
           <p:cNvPr id="6" name="灯片编号占位符 5">
             <a:extLst>
               <a:ext uri="{FF2B5EF4-FFF2-40B4-BE49-F238E27FC236}">
-                <a16:creationId xmlns:a16="http://schemas.microsoft.com/office/drawing/2014/main" id="{D0DF664D-355F-56D2-8ED7-BDF410FCFC78}"/>
+                <a16:creationId xmlns:a16="http://schemas.microsoft.com/office/drawing/2014/main" id="{E4EDAFDB-E806-6227-B379-8D0D40B40632}"/>
               </a:ext>
             </a:extLst>
           </p:cNvPr>
@@ -712,7 +712,7 @@
           <a:bodyPr/>
           <a:lstStyle/>
           <a:p>
-            <a:fld id="{14C52ADF-961C-4221-9537-EE5D45A277AD}" type="slidenum">
+            <a:fld id="{7B52ADDF-65B3-4A45-95E7-E654109108DA}" type="slidenum">
               <a:rPr lang="zh-CN" altLang="en-US" smtClean="0"/>
               <a:t>‹#›</a:t>
             </a:fld>
@@ -723,7 +723,7 @@
     </p:spTree>
     <p:extLst>
       <p:ext uri="{BB962C8B-B14F-4D97-AF65-F5344CB8AC3E}">
-        <p14:creationId xmlns:p14="http://schemas.microsoft.com/office/powerpoint/2010/main" val="4232651489"/>
+        <p14:creationId xmlns:p14="http://schemas.microsoft.com/office/powerpoint/2010/main" val="3401934796"/>
       </p:ext>
     </p:extLst>
   </p:cSld>
@@ -755,7 +755,7 @@
           <p:cNvPr id="2" name="标题 1">
             <a:extLst>
               <a:ext uri="{FF2B5EF4-FFF2-40B4-BE49-F238E27FC236}">
-                <a16:creationId xmlns:a16="http://schemas.microsoft.com/office/drawing/2014/main" id="{68BF2608-06C6-979F-1D34-838E752F8F67}"/>
+                <a16:creationId xmlns:a16="http://schemas.microsoft.com/office/drawing/2014/main" id="{6A50C3AE-39BD-0DB2-4E98-B0551CEB60AD}"/>
               </a:ext>
             </a:extLst>
           </p:cNvPr>
@@ -783,7 +783,7 @@
           <p:cNvPr id="3" name="内容占位符 2">
             <a:extLst>
               <a:ext uri="{FF2B5EF4-FFF2-40B4-BE49-F238E27FC236}">
-                <a16:creationId xmlns:a16="http://schemas.microsoft.com/office/drawing/2014/main" id="{C39F729A-E139-8156-3418-879F845ABC70}"/>
+                <a16:creationId xmlns:a16="http://schemas.microsoft.com/office/drawing/2014/main" id="{D6F8D0E7-47A1-544D-1120-2CCEC313DC46}"/>
               </a:ext>
             </a:extLst>
           </p:cNvPr>
@@ -840,7 +840,7 @@
           <p:cNvPr id="4" name="日期占位符 3">
             <a:extLst>
               <a:ext uri="{FF2B5EF4-FFF2-40B4-BE49-F238E27FC236}">
-                <a16:creationId xmlns:a16="http://schemas.microsoft.com/office/drawing/2014/main" id="{D1F8254B-D345-E5D2-B94E-69B249229CE2}"/>
+                <a16:creationId xmlns:a16="http://schemas.microsoft.com/office/drawing/2014/main" id="{5B7C8E45-3AFB-06DF-EE2B-7374EBE6E37A}"/>
               </a:ext>
             </a:extLst>
           </p:cNvPr>
@@ -856,7 +856,7 @@
           <a:bodyPr/>
           <a:lstStyle/>
           <a:p>
-            <a:fld id="{ABC8152E-0E85-4E67-B25A-8AD08B6B68E1}" type="datetimeFigureOut">
+            <a:fld id="{79AC3370-951D-4389-9795-11E86449AED7}" type="datetimeFigureOut">
               <a:rPr lang="zh-CN" altLang="en-US" smtClean="0"/>
               <a:t>2024/3/10</a:t>
             </a:fld>
@@ -869,7 +869,7 @@
           <p:cNvPr id="5" name="页脚占位符 4">
             <a:extLst>
               <a:ext uri="{FF2B5EF4-FFF2-40B4-BE49-F238E27FC236}">
-                <a16:creationId xmlns:a16="http://schemas.microsoft.com/office/drawing/2014/main" id="{5DB4C2B4-B498-F24D-1520-BBB559E45A5B}"/>
+                <a16:creationId xmlns:a16="http://schemas.microsoft.com/office/drawing/2014/main" id="{EF9D9103-AC77-E1C7-C368-AEF3D5839663}"/>
               </a:ext>
             </a:extLst>
           </p:cNvPr>
@@ -894,7 +894,7 @@
           <p:cNvPr id="6" name="灯片编号占位符 5">
             <a:extLst>
               <a:ext uri="{FF2B5EF4-FFF2-40B4-BE49-F238E27FC236}">
-                <a16:creationId xmlns:a16="http://schemas.microsoft.com/office/drawing/2014/main" id="{53B620FC-F51D-F858-E7E7-26E7D1FE19B3}"/>
+                <a16:creationId xmlns:a16="http://schemas.microsoft.com/office/drawing/2014/main" id="{851F5E5C-A698-D5F0-764D-D45C25A4D9C8}"/>
               </a:ext>
             </a:extLst>
           </p:cNvPr>
@@ -910,7 +910,7 @@
           <a:bodyPr/>
           <a:lstStyle/>
           <a:p>
-            <a:fld id="{14C52ADF-961C-4221-9537-EE5D45A277AD}" type="slidenum">
+            <a:fld id="{7B52ADDF-65B3-4A45-95E7-E654109108DA}" type="slidenum">
               <a:rPr lang="zh-CN" altLang="en-US" smtClean="0"/>
               <a:t>‹#›</a:t>
             </a:fld>
@@ -921,7 +921,7 @@
     </p:spTree>
     <p:extLst>
       <p:ext uri="{BB962C8B-B14F-4D97-AF65-F5344CB8AC3E}">
-        <p14:creationId xmlns:p14="http://schemas.microsoft.com/office/powerpoint/2010/main" val="3389819971"/>
+        <p14:creationId xmlns:p14="http://schemas.microsoft.com/office/powerpoint/2010/main" val="4246876645"/>
       </p:ext>
     </p:extLst>
   </p:cSld>
@@ -953,7 +953,7 @@
           <p:cNvPr id="2" name="标题 1">
             <a:extLst>
               <a:ext uri="{FF2B5EF4-FFF2-40B4-BE49-F238E27FC236}">
-                <a16:creationId xmlns:a16="http://schemas.microsoft.com/office/drawing/2014/main" id="{B9D6E130-8DA3-78F0-AC13-E619D5C299D4}"/>
+                <a16:creationId xmlns:a16="http://schemas.microsoft.com/office/drawing/2014/main" id="{B8B78F4E-1975-49AC-2692-13E9856AFDC7}"/>
               </a:ext>
             </a:extLst>
           </p:cNvPr>
@@ -990,7 +990,7 @@
           <p:cNvPr id="3" name="文本占位符 2">
             <a:extLst>
               <a:ext uri="{FF2B5EF4-FFF2-40B4-BE49-F238E27FC236}">
-                <a16:creationId xmlns:a16="http://schemas.microsoft.com/office/drawing/2014/main" id="{7459F4FE-1425-6E69-92A3-BB160895EB97}"/>
+                <a16:creationId xmlns:a16="http://schemas.microsoft.com/office/drawing/2014/main" id="{466D255A-1040-F936-FC86-6AE7D3CB5FC5}"/>
               </a:ext>
             </a:extLst>
           </p:cNvPr>
@@ -1115,7 +1115,7 @@
           <p:cNvPr id="4" name="日期占位符 3">
             <a:extLst>
               <a:ext uri="{FF2B5EF4-FFF2-40B4-BE49-F238E27FC236}">
-                <a16:creationId xmlns:a16="http://schemas.microsoft.com/office/drawing/2014/main" id="{4A4628A6-862E-335E-AAA7-D1E05D6B50E3}"/>
+                <a16:creationId xmlns:a16="http://schemas.microsoft.com/office/drawing/2014/main" id="{552D1D69-D094-0D79-B215-C374B79A1EE2}"/>
               </a:ext>
             </a:extLst>
           </p:cNvPr>
@@ -1131,7 +1131,7 @@
           <a:bodyPr/>
           <a:lstStyle/>
           <a:p>
-            <a:fld id="{ABC8152E-0E85-4E67-B25A-8AD08B6B68E1}" type="datetimeFigureOut">
+            <a:fld id="{79AC3370-951D-4389-9795-11E86449AED7}" type="datetimeFigureOut">
               <a:rPr lang="zh-CN" altLang="en-US" smtClean="0"/>
               <a:t>2024/3/10</a:t>
             </a:fld>
@@ -1144,7 +1144,7 @@
           <p:cNvPr id="5" name="页脚占位符 4">
             <a:extLst>
               <a:ext uri="{FF2B5EF4-FFF2-40B4-BE49-F238E27FC236}">
-                <a16:creationId xmlns:a16="http://schemas.microsoft.com/office/drawing/2014/main" id="{7F78DDE6-217B-6259-CCF7-7684A301D49E}"/>
+                <a16:creationId xmlns:a16="http://schemas.microsoft.com/office/drawing/2014/main" id="{AC04950D-2BA1-90D8-2FCD-87E738ED40AA}"/>
               </a:ext>
             </a:extLst>
           </p:cNvPr>
@@ -1169,7 +1169,7 @@
           <p:cNvPr id="6" name="灯片编号占位符 5">
             <a:extLst>
               <a:ext uri="{FF2B5EF4-FFF2-40B4-BE49-F238E27FC236}">
-                <a16:creationId xmlns:a16="http://schemas.microsoft.com/office/drawing/2014/main" id="{C3A9C1FF-8090-FA21-0D65-D09B1D11AD34}"/>
+                <a16:creationId xmlns:a16="http://schemas.microsoft.com/office/drawing/2014/main" id="{9E038202-28BF-BE0A-A833-BC152FF223D4}"/>
               </a:ext>
             </a:extLst>
           </p:cNvPr>
@@ -1185,7 +1185,7 @@
           <a:bodyPr/>
           <a:lstStyle/>
           <a:p>
-            <a:fld id="{14C52ADF-961C-4221-9537-EE5D45A277AD}" type="slidenum">
+            <a:fld id="{7B52ADDF-65B3-4A45-95E7-E654109108DA}" type="slidenum">
               <a:rPr lang="zh-CN" altLang="en-US" smtClean="0"/>
               <a:t>‹#›</a:t>
             </a:fld>
@@ -1196,7 +1196,7 @@
     </p:spTree>
     <p:extLst>
       <p:ext uri="{BB962C8B-B14F-4D97-AF65-F5344CB8AC3E}">
-        <p14:creationId xmlns:p14="http://schemas.microsoft.com/office/powerpoint/2010/main" val="3712968123"/>
+        <p14:creationId xmlns:p14="http://schemas.microsoft.com/office/powerpoint/2010/main" val="365926879"/>
       </p:ext>
     </p:extLst>
   </p:cSld>
@@ -1228,7 +1228,7 @@
           <p:cNvPr id="2" name="标题 1">
             <a:extLst>
               <a:ext uri="{FF2B5EF4-FFF2-40B4-BE49-F238E27FC236}">
-                <a16:creationId xmlns:a16="http://schemas.microsoft.com/office/drawing/2014/main" id="{86B72700-BC14-12CA-E6AE-5384904A879D}"/>
+                <a16:creationId xmlns:a16="http://schemas.microsoft.com/office/drawing/2014/main" id="{0BFE7EDC-306E-0095-DA96-9F0CF5B6EA9F}"/>
               </a:ext>
             </a:extLst>
           </p:cNvPr>
@@ -1256,7 +1256,7 @@
           <p:cNvPr id="3" name="内容占位符 2">
             <a:extLst>
               <a:ext uri="{FF2B5EF4-FFF2-40B4-BE49-F238E27FC236}">
-                <a16:creationId xmlns:a16="http://schemas.microsoft.com/office/drawing/2014/main" id="{2434BCCE-27A4-73AE-EEFB-A70151BA0B92}"/>
+                <a16:creationId xmlns:a16="http://schemas.microsoft.com/office/drawing/2014/main" id="{71E0A327-B015-D81E-B62C-5072F3F86DF5}"/>
               </a:ext>
             </a:extLst>
           </p:cNvPr>
@@ -1318,7 +1318,7 @@
           <p:cNvPr id="4" name="内容占位符 3">
             <a:extLst>
               <a:ext uri="{FF2B5EF4-FFF2-40B4-BE49-F238E27FC236}">
-                <a16:creationId xmlns:a16="http://schemas.microsoft.com/office/drawing/2014/main" id="{FF00C966-6C03-AFD3-C40C-D21E4BF65230}"/>
+                <a16:creationId xmlns:a16="http://schemas.microsoft.com/office/drawing/2014/main" id="{994FD47E-4172-5E13-73F5-0EEDDA66A5F3}"/>
               </a:ext>
             </a:extLst>
           </p:cNvPr>
@@ -1380,7 +1380,7 @@
           <p:cNvPr id="5" name="日期占位符 4">
             <a:extLst>
               <a:ext uri="{FF2B5EF4-FFF2-40B4-BE49-F238E27FC236}">
-                <a16:creationId xmlns:a16="http://schemas.microsoft.com/office/drawing/2014/main" id="{C15785AB-AAAB-8538-B08D-0A1F240F0BDE}"/>
+                <a16:creationId xmlns:a16="http://schemas.microsoft.com/office/drawing/2014/main" id="{F25936C2-1E77-8F43-9EB2-7FFFCBF3877F}"/>
               </a:ext>
             </a:extLst>
           </p:cNvPr>
@@ -1396,7 +1396,7 @@
           <a:bodyPr/>
           <a:lstStyle/>
           <a:p>
-            <a:fld id="{ABC8152E-0E85-4E67-B25A-8AD08B6B68E1}" type="datetimeFigureOut">
+            <a:fld id="{79AC3370-951D-4389-9795-11E86449AED7}" type="datetimeFigureOut">
               <a:rPr lang="zh-CN" altLang="en-US" smtClean="0"/>
               <a:t>2024/3/10</a:t>
             </a:fld>
@@ -1409,7 +1409,7 @@
           <p:cNvPr id="6" name="页脚占位符 5">
             <a:extLst>
               <a:ext uri="{FF2B5EF4-FFF2-40B4-BE49-F238E27FC236}">
-                <a16:creationId xmlns:a16="http://schemas.microsoft.com/office/drawing/2014/main" id="{E626454C-2065-96A4-E527-3574EF12D552}"/>
+                <a16:creationId xmlns:a16="http://schemas.microsoft.com/office/drawing/2014/main" id="{F974F5B5-459A-5A64-45D9-25922F7C8D4C}"/>
               </a:ext>
             </a:extLst>
           </p:cNvPr>
@@ -1434,7 +1434,7 @@
           <p:cNvPr id="7" name="灯片编号占位符 6">
             <a:extLst>
               <a:ext uri="{FF2B5EF4-FFF2-40B4-BE49-F238E27FC236}">
-                <a16:creationId xmlns:a16="http://schemas.microsoft.com/office/drawing/2014/main" id="{AAB40B93-0760-5B02-A8E1-E27EE745DD19}"/>
+                <a16:creationId xmlns:a16="http://schemas.microsoft.com/office/drawing/2014/main" id="{7A485C6A-87E6-3717-787D-E2867F6D2DA8}"/>
               </a:ext>
             </a:extLst>
           </p:cNvPr>
@@ -1450,7 +1450,7 @@
           <a:bodyPr/>
           <a:lstStyle/>
           <a:p>
-            <a:fld id="{14C52ADF-961C-4221-9537-EE5D45A277AD}" type="slidenum">
+            <a:fld id="{7B52ADDF-65B3-4A45-95E7-E654109108DA}" type="slidenum">
               <a:rPr lang="zh-CN" altLang="en-US" smtClean="0"/>
               <a:t>‹#›</a:t>
             </a:fld>
@@ -1461,7 +1461,7 @@
     </p:spTree>
     <p:extLst>
       <p:ext uri="{BB962C8B-B14F-4D97-AF65-F5344CB8AC3E}">
-        <p14:creationId xmlns:p14="http://schemas.microsoft.com/office/powerpoint/2010/main" val="2265268030"/>
+        <p14:creationId xmlns:p14="http://schemas.microsoft.com/office/powerpoint/2010/main" val="1899119963"/>
       </p:ext>
     </p:extLst>
   </p:cSld>
@@ -1493,7 +1493,7 @@
           <p:cNvPr id="2" name="标题 1">
             <a:extLst>
               <a:ext uri="{FF2B5EF4-FFF2-40B4-BE49-F238E27FC236}">
-                <a16:creationId xmlns:a16="http://schemas.microsoft.com/office/drawing/2014/main" id="{C341C128-9675-1AEE-D06E-B78E0B708297}"/>
+                <a16:creationId xmlns:a16="http://schemas.microsoft.com/office/drawing/2014/main" id="{4E734222-5D38-1AC0-0963-D8A9058D4D76}"/>
               </a:ext>
             </a:extLst>
           </p:cNvPr>
@@ -1526,7 +1526,7 @@
           <p:cNvPr id="3" name="文本占位符 2">
             <a:extLst>
               <a:ext uri="{FF2B5EF4-FFF2-40B4-BE49-F238E27FC236}">
-                <a16:creationId xmlns:a16="http://schemas.microsoft.com/office/drawing/2014/main" id="{692CA57C-96A0-8405-9418-9BBE080AD2D2}"/>
+                <a16:creationId xmlns:a16="http://schemas.microsoft.com/office/drawing/2014/main" id="{B44D8289-8FD6-CD11-45F1-B0DD3BA385A7}"/>
               </a:ext>
             </a:extLst>
           </p:cNvPr>
@@ -1597,7 +1597,7 @@
           <p:cNvPr id="4" name="内容占位符 3">
             <a:extLst>
               <a:ext uri="{FF2B5EF4-FFF2-40B4-BE49-F238E27FC236}">
-                <a16:creationId xmlns:a16="http://schemas.microsoft.com/office/drawing/2014/main" id="{39111F78-4C4C-4D9E-C56C-E7A3DBD9AEEA}"/>
+                <a16:creationId xmlns:a16="http://schemas.microsoft.com/office/drawing/2014/main" id="{EE57FCCF-F30F-31AD-38DE-751F976C54A8}"/>
               </a:ext>
             </a:extLst>
           </p:cNvPr>
@@ -1659,7 +1659,7 @@
           <p:cNvPr id="5" name="文本占位符 4">
             <a:extLst>
               <a:ext uri="{FF2B5EF4-FFF2-40B4-BE49-F238E27FC236}">
-                <a16:creationId xmlns:a16="http://schemas.microsoft.com/office/drawing/2014/main" id="{8D4F6BC5-7FF2-FDF8-3063-A1478EA4FF1C}"/>
+                <a16:creationId xmlns:a16="http://schemas.microsoft.com/office/drawing/2014/main" id="{252A8A31-771C-033C-1599-2453E128FF11}"/>
               </a:ext>
             </a:extLst>
           </p:cNvPr>
@@ -1730,7 +1730,7 @@
           <p:cNvPr id="6" name="内容占位符 5">
             <a:extLst>
               <a:ext uri="{FF2B5EF4-FFF2-40B4-BE49-F238E27FC236}">
-                <a16:creationId xmlns:a16="http://schemas.microsoft.com/office/drawing/2014/main" id="{D0D2F838-6037-BB38-B041-5AF2EABD61CB}"/>
+                <a16:creationId xmlns:a16="http://schemas.microsoft.com/office/drawing/2014/main" id="{8152077A-4879-9EFB-5331-96C59382C979}"/>
               </a:ext>
             </a:extLst>
           </p:cNvPr>
@@ -1792,7 +1792,7 @@
           <p:cNvPr id="7" name="日期占位符 6">
             <a:extLst>
               <a:ext uri="{FF2B5EF4-FFF2-40B4-BE49-F238E27FC236}">
-                <a16:creationId xmlns:a16="http://schemas.microsoft.com/office/drawing/2014/main" id="{8FF8CD1C-B418-24B7-4BED-DD873618FD9C}"/>
+                <a16:creationId xmlns:a16="http://schemas.microsoft.com/office/drawing/2014/main" id="{625F4FBB-5123-C72A-3C0E-1DFD97FEA100}"/>
               </a:ext>
             </a:extLst>
           </p:cNvPr>
@@ -1808,7 +1808,7 @@
           <a:bodyPr/>
           <a:lstStyle/>
           <a:p>
-            <a:fld id="{ABC8152E-0E85-4E67-B25A-8AD08B6B68E1}" type="datetimeFigureOut">
+            <a:fld id="{79AC3370-951D-4389-9795-11E86449AED7}" type="datetimeFigureOut">
               <a:rPr lang="zh-CN" altLang="en-US" smtClean="0"/>
               <a:t>2024/3/10</a:t>
             </a:fld>
@@ -1821,7 +1821,7 @@
           <p:cNvPr id="8" name="页脚占位符 7">
             <a:extLst>
               <a:ext uri="{FF2B5EF4-FFF2-40B4-BE49-F238E27FC236}">
-                <a16:creationId xmlns:a16="http://schemas.microsoft.com/office/drawing/2014/main" id="{6841302A-CA39-9D46-8186-37A937D000A6}"/>
+                <a16:creationId xmlns:a16="http://schemas.microsoft.com/office/drawing/2014/main" id="{D30AD780-FD5E-CD1E-C39D-BBF02CF6ADBB}"/>
               </a:ext>
             </a:extLst>
           </p:cNvPr>
@@ -1846,7 +1846,7 @@
           <p:cNvPr id="9" name="灯片编号占位符 8">
             <a:extLst>
               <a:ext uri="{FF2B5EF4-FFF2-40B4-BE49-F238E27FC236}">
-                <a16:creationId xmlns:a16="http://schemas.microsoft.com/office/drawing/2014/main" id="{C120FAB7-2827-030B-F7D9-0A5251ACA79C}"/>
+                <a16:creationId xmlns:a16="http://schemas.microsoft.com/office/drawing/2014/main" id="{A3D26B63-76D6-B217-7B77-67705F69673E}"/>
               </a:ext>
             </a:extLst>
           </p:cNvPr>
@@ -1862,7 +1862,7 @@
           <a:bodyPr/>
           <a:lstStyle/>
           <a:p>
-            <a:fld id="{14C52ADF-961C-4221-9537-EE5D45A277AD}" type="slidenum">
+            <a:fld id="{7B52ADDF-65B3-4A45-95E7-E654109108DA}" type="slidenum">
               <a:rPr lang="zh-CN" altLang="en-US" smtClean="0"/>
               <a:t>‹#›</a:t>
             </a:fld>
@@ -1873,7 +1873,7 @@
     </p:spTree>
     <p:extLst>
       <p:ext uri="{BB962C8B-B14F-4D97-AF65-F5344CB8AC3E}">
-        <p14:creationId xmlns:p14="http://schemas.microsoft.com/office/powerpoint/2010/main" val="1944715038"/>
+        <p14:creationId xmlns:p14="http://schemas.microsoft.com/office/powerpoint/2010/main" val="2425210591"/>
       </p:ext>
     </p:extLst>
   </p:cSld>
@@ -1905,7 +1905,7 @@
           <p:cNvPr id="2" name="标题 1">
             <a:extLst>
               <a:ext uri="{FF2B5EF4-FFF2-40B4-BE49-F238E27FC236}">
-                <a16:creationId xmlns:a16="http://schemas.microsoft.com/office/drawing/2014/main" id="{84DC654C-7545-494E-9DBF-10FA47A8B516}"/>
+                <a16:creationId xmlns:a16="http://schemas.microsoft.com/office/drawing/2014/main" id="{25220C3C-1F9D-E8EF-0FA8-746DB15788DE}"/>
               </a:ext>
             </a:extLst>
           </p:cNvPr>
@@ -1933,7 +1933,7 @@
           <p:cNvPr id="3" name="日期占位符 2">
             <a:extLst>
               <a:ext uri="{FF2B5EF4-FFF2-40B4-BE49-F238E27FC236}">
-                <a16:creationId xmlns:a16="http://schemas.microsoft.com/office/drawing/2014/main" id="{D3B0D184-310A-01D9-E141-1F80FA7D4062}"/>
+                <a16:creationId xmlns:a16="http://schemas.microsoft.com/office/drawing/2014/main" id="{0DD8451A-F019-AE5F-D094-F60B15317B0C}"/>
               </a:ext>
             </a:extLst>
           </p:cNvPr>
@@ -1949,7 +1949,7 @@
           <a:bodyPr/>
           <a:lstStyle/>
           <a:p>
-            <a:fld id="{ABC8152E-0E85-4E67-B25A-8AD08B6B68E1}" type="datetimeFigureOut">
+            <a:fld id="{79AC3370-951D-4389-9795-11E86449AED7}" type="datetimeFigureOut">
               <a:rPr lang="zh-CN" altLang="en-US" smtClean="0"/>
               <a:t>2024/3/10</a:t>
             </a:fld>
@@ -1962,7 +1962,7 @@
           <p:cNvPr id="4" name="页脚占位符 3">
             <a:extLst>
               <a:ext uri="{FF2B5EF4-FFF2-40B4-BE49-F238E27FC236}">
-                <a16:creationId xmlns:a16="http://schemas.microsoft.com/office/drawing/2014/main" id="{9EE81643-D8EE-B635-3C0C-20A254FC9793}"/>
+                <a16:creationId xmlns:a16="http://schemas.microsoft.com/office/drawing/2014/main" id="{841364A7-EE4A-6B7F-171A-30DC403CA16E}"/>
               </a:ext>
             </a:extLst>
           </p:cNvPr>
@@ -1987,7 +1987,7 @@
           <p:cNvPr id="5" name="灯片编号占位符 4">
             <a:extLst>
               <a:ext uri="{FF2B5EF4-FFF2-40B4-BE49-F238E27FC236}">
-                <a16:creationId xmlns:a16="http://schemas.microsoft.com/office/drawing/2014/main" id="{4988918C-4EB0-0B90-C426-8BA094DE378E}"/>
+                <a16:creationId xmlns:a16="http://schemas.microsoft.com/office/drawing/2014/main" id="{91793B4E-58C2-0703-9579-7F66D202CC59}"/>
               </a:ext>
             </a:extLst>
           </p:cNvPr>
@@ -2003,7 +2003,7 @@
           <a:bodyPr/>
           <a:lstStyle/>
           <a:p>
-            <a:fld id="{14C52ADF-961C-4221-9537-EE5D45A277AD}" type="slidenum">
+            <a:fld id="{7B52ADDF-65B3-4A45-95E7-E654109108DA}" type="slidenum">
               <a:rPr lang="zh-CN" altLang="en-US" smtClean="0"/>
               <a:t>‹#›</a:t>
             </a:fld>
@@ -2014,7 +2014,7 @@
     </p:spTree>
     <p:extLst>
       <p:ext uri="{BB962C8B-B14F-4D97-AF65-F5344CB8AC3E}">
-        <p14:creationId xmlns:p14="http://schemas.microsoft.com/office/powerpoint/2010/main" val="3924470892"/>
+        <p14:creationId xmlns:p14="http://schemas.microsoft.com/office/powerpoint/2010/main" val="3445258976"/>
       </p:ext>
     </p:extLst>
   </p:cSld>
@@ -2046,7 +2046,7 @@
           <p:cNvPr id="2" name="日期占位符 1">
             <a:extLst>
               <a:ext uri="{FF2B5EF4-FFF2-40B4-BE49-F238E27FC236}">
-                <a16:creationId xmlns:a16="http://schemas.microsoft.com/office/drawing/2014/main" id="{CDC4D3E2-BC41-6F86-3442-EC44A3ED9A87}"/>
+                <a16:creationId xmlns:a16="http://schemas.microsoft.com/office/drawing/2014/main" id="{530C8959-0646-F2F6-B0A8-0F917AB6A623}"/>
               </a:ext>
             </a:extLst>
           </p:cNvPr>
@@ -2062,7 +2062,7 @@
           <a:bodyPr/>
           <a:lstStyle/>
           <a:p>
-            <a:fld id="{ABC8152E-0E85-4E67-B25A-8AD08B6B68E1}" type="datetimeFigureOut">
+            <a:fld id="{79AC3370-951D-4389-9795-11E86449AED7}" type="datetimeFigureOut">
               <a:rPr lang="zh-CN" altLang="en-US" smtClean="0"/>
               <a:t>2024/3/10</a:t>
             </a:fld>
@@ -2075,7 +2075,7 @@
           <p:cNvPr id="3" name="页脚占位符 2">
             <a:extLst>
               <a:ext uri="{FF2B5EF4-FFF2-40B4-BE49-F238E27FC236}">
-                <a16:creationId xmlns:a16="http://schemas.microsoft.com/office/drawing/2014/main" id="{49444C95-C88F-4395-0A89-0E93F7FDA3CA}"/>
+                <a16:creationId xmlns:a16="http://schemas.microsoft.com/office/drawing/2014/main" id="{85A02779-64F0-C417-D146-FB1E902CDC55}"/>
               </a:ext>
             </a:extLst>
           </p:cNvPr>
@@ -2100,7 +2100,7 @@
           <p:cNvPr id="4" name="灯片编号占位符 3">
             <a:extLst>
               <a:ext uri="{FF2B5EF4-FFF2-40B4-BE49-F238E27FC236}">
-                <a16:creationId xmlns:a16="http://schemas.microsoft.com/office/drawing/2014/main" id="{0DF9FA30-18E3-98B5-CBAD-A14C102F29E9}"/>
+                <a16:creationId xmlns:a16="http://schemas.microsoft.com/office/drawing/2014/main" id="{A97CE705-A103-B2DC-70EB-B2CBB57036D7}"/>
               </a:ext>
             </a:extLst>
           </p:cNvPr>
@@ -2116,7 +2116,7 @@
           <a:bodyPr/>
           <a:lstStyle/>
           <a:p>
-            <a:fld id="{14C52ADF-961C-4221-9537-EE5D45A277AD}" type="slidenum">
+            <a:fld id="{7B52ADDF-65B3-4A45-95E7-E654109108DA}" type="slidenum">
               <a:rPr lang="zh-CN" altLang="en-US" smtClean="0"/>
               <a:t>‹#›</a:t>
             </a:fld>
@@ -2127,7 +2127,7 @@
     </p:spTree>
     <p:extLst>
       <p:ext uri="{BB962C8B-B14F-4D97-AF65-F5344CB8AC3E}">
-        <p14:creationId xmlns:p14="http://schemas.microsoft.com/office/powerpoint/2010/main" val="3639007343"/>
+        <p14:creationId xmlns:p14="http://schemas.microsoft.com/office/powerpoint/2010/main" val="2507171620"/>
       </p:ext>
     </p:extLst>
   </p:cSld>
@@ -2159,7 +2159,7 @@
           <p:cNvPr id="2" name="标题 1">
             <a:extLst>
               <a:ext uri="{FF2B5EF4-FFF2-40B4-BE49-F238E27FC236}">
-                <a16:creationId xmlns:a16="http://schemas.microsoft.com/office/drawing/2014/main" id="{1A2A0860-69EE-AC11-C038-0E364DFECE24}"/>
+                <a16:creationId xmlns:a16="http://schemas.microsoft.com/office/drawing/2014/main" id="{5CD1A7CD-5BFA-1C39-F8CA-12748E46265D}"/>
               </a:ext>
             </a:extLst>
           </p:cNvPr>
@@ -2196,7 +2196,7 @@
           <p:cNvPr id="3" name="内容占位符 2">
             <a:extLst>
               <a:ext uri="{FF2B5EF4-FFF2-40B4-BE49-F238E27FC236}">
-                <a16:creationId xmlns:a16="http://schemas.microsoft.com/office/drawing/2014/main" id="{75403F8F-EEAD-2031-2252-F6CAA1FD9ED6}"/>
+                <a16:creationId xmlns:a16="http://schemas.microsoft.com/office/drawing/2014/main" id="{32DB6CA0-6E7E-1A4D-D959-DCFECB32C07E}"/>
               </a:ext>
             </a:extLst>
           </p:cNvPr>
@@ -2286,7 +2286,7 @@
           <p:cNvPr id="4" name="文本占位符 3">
             <a:extLst>
               <a:ext uri="{FF2B5EF4-FFF2-40B4-BE49-F238E27FC236}">
-                <a16:creationId xmlns:a16="http://schemas.microsoft.com/office/drawing/2014/main" id="{35CCFBB3-2F62-9EBF-B1CD-C18DB075D13B}"/>
+                <a16:creationId xmlns:a16="http://schemas.microsoft.com/office/drawing/2014/main" id="{687CFC2B-2F4D-E2FF-80B7-64EAB4775C31}"/>
               </a:ext>
             </a:extLst>
           </p:cNvPr>
@@ -2357,7 +2357,7 @@
           <p:cNvPr id="5" name="日期占位符 4">
             <a:extLst>
               <a:ext uri="{FF2B5EF4-FFF2-40B4-BE49-F238E27FC236}">
-                <a16:creationId xmlns:a16="http://schemas.microsoft.com/office/drawing/2014/main" id="{40E827D3-86FC-FCC2-49CB-3AD70EE431DB}"/>
+                <a16:creationId xmlns:a16="http://schemas.microsoft.com/office/drawing/2014/main" id="{082BE215-1E31-1EAE-8FDA-AD30A319145A}"/>
               </a:ext>
             </a:extLst>
           </p:cNvPr>
@@ -2373,7 +2373,7 @@
           <a:bodyPr/>
           <a:lstStyle/>
           <a:p>
-            <a:fld id="{ABC8152E-0E85-4E67-B25A-8AD08B6B68E1}" type="datetimeFigureOut">
+            <a:fld id="{79AC3370-951D-4389-9795-11E86449AED7}" type="datetimeFigureOut">
               <a:rPr lang="zh-CN" altLang="en-US" smtClean="0"/>
               <a:t>2024/3/10</a:t>
             </a:fld>
@@ -2386,7 +2386,7 @@
           <p:cNvPr id="6" name="页脚占位符 5">
             <a:extLst>
               <a:ext uri="{FF2B5EF4-FFF2-40B4-BE49-F238E27FC236}">
-                <a16:creationId xmlns:a16="http://schemas.microsoft.com/office/drawing/2014/main" id="{966A92E5-BB42-EBA4-B34C-3C49EB0548AF}"/>
+                <a16:creationId xmlns:a16="http://schemas.microsoft.com/office/drawing/2014/main" id="{1B933BEA-6FCC-6A3E-9B67-8425E3AFAA2C}"/>
               </a:ext>
             </a:extLst>
           </p:cNvPr>
@@ -2411,7 +2411,7 @@
           <p:cNvPr id="7" name="灯片编号占位符 6">
             <a:extLst>
               <a:ext uri="{FF2B5EF4-FFF2-40B4-BE49-F238E27FC236}">
-                <a16:creationId xmlns:a16="http://schemas.microsoft.com/office/drawing/2014/main" id="{AC593AEE-010F-2E64-5C29-900565276B9B}"/>
+                <a16:creationId xmlns:a16="http://schemas.microsoft.com/office/drawing/2014/main" id="{997D698F-036F-5108-AB7D-3CC6B36E326F}"/>
               </a:ext>
             </a:extLst>
           </p:cNvPr>
@@ -2427,7 +2427,7 @@
           <a:bodyPr/>
           <a:lstStyle/>
           <a:p>
-            <a:fld id="{14C52ADF-961C-4221-9537-EE5D45A277AD}" type="slidenum">
+            <a:fld id="{7B52ADDF-65B3-4A45-95E7-E654109108DA}" type="slidenum">
               <a:rPr lang="zh-CN" altLang="en-US" smtClean="0"/>
               <a:t>‹#›</a:t>
             </a:fld>
@@ -2438,7 +2438,7 @@
     </p:spTree>
     <p:extLst>
       <p:ext uri="{BB962C8B-B14F-4D97-AF65-F5344CB8AC3E}">
-        <p14:creationId xmlns:p14="http://schemas.microsoft.com/office/powerpoint/2010/main" val="1219427652"/>
+        <p14:creationId xmlns:p14="http://schemas.microsoft.com/office/powerpoint/2010/main" val="607179759"/>
       </p:ext>
     </p:extLst>
   </p:cSld>
@@ -2470,7 +2470,7 @@
           <p:cNvPr id="2" name="标题 1">
             <a:extLst>
               <a:ext uri="{FF2B5EF4-FFF2-40B4-BE49-F238E27FC236}">
-                <a16:creationId xmlns:a16="http://schemas.microsoft.com/office/drawing/2014/main" id="{5157CC70-E9D0-78DE-4B8D-DAD07629C6FA}"/>
+                <a16:creationId xmlns:a16="http://schemas.microsoft.com/office/drawing/2014/main" id="{DCF1E2EF-42E3-C301-DD7D-73212CACD284}"/>
               </a:ext>
             </a:extLst>
           </p:cNvPr>
@@ -2507,7 +2507,7 @@
           <p:cNvPr id="3" name="图片占位符 2">
             <a:extLst>
               <a:ext uri="{FF2B5EF4-FFF2-40B4-BE49-F238E27FC236}">
-                <a16:creationId xmlns:a16="http://schemas.microsoft.com/office/drawing/2014/main" id="{3DE5E047-9D3F-2EEE-7CCF-315BA847D750}"/>
+                <a16:creationId xmlns:a16="http://schemas.microsoft.com/office/drawing/2014/main" id="{C6B9980F-06E0-394C-B2FE-CEC07E4432F2}"/>
               </a:ext>
             </a:extLst>
           </p:cNvPr>
@@ -2574,7 +2574,7 @@
           <p:cNvPr id="4" name="文本占位符 3">
             <a:extLst>
               <a:ext uri="{FF2B5EF4-FFF2-40B4-BE49-F238E27FC236}">
-                <a16:creationId xmlns:a16="http://schemas.microsoft.com/office/drawing/2014/main" id="{F23D1D1C-1447-B07A-AF0F-79B28A07ACBB}"/>
+                <a16:creationId xmlns:a16="http://schemas.microsoft.com/office/drawing/2014/main" id="{EB3ACA73-3E82-1E4A-672E-4C4EFAF5A960}"/>
               </a:ext>
             </a:extLst>
           </p:cNvPr>
@@ -2645,7 +2645,7 @@
           <p:cNvPr id="5" name="日期占位符 4">
             <a:extLst>
               <a:ext uri="{FF2B5EF4-FFF2-40B4-BE49-F238E27FC236}">
-                <a16:creationId xmlns:a16="http://schemas.microsoft.com/office/drawing/2014/main" id="{ACE2A5AF-EC81-DFF0-7A03-E89CE1F7D09B}"/>
+                <a16:creationId xmlns:a16="http://schemas.microsoft.com/office/drawing/2014/main" id="{9E7E6859-77B2-6926-8E4F-E3B6CE7AB4E9}"/>
               </a:ext>
             </a:extLst>
           </p:cNvPr>
@@ -2661,7 +2661,7 @@
           <a:bodyPr/>
           <a:lstStyle/>
           <a:p>
-            <a:fld id="{ABC8152E-0E85-4E67-B25A-8AD08B6B68E1}" type="datetimeFigureOut">
+            <a:fld id="{79AC3370-951D-4389-9795-11E86449AED7}" type="datetimeFigureOut">
               <a:rPr lang="zh-CN" altLang="en-US" smtClean="0"/>
               <a:t>2024/3/10</a:t>
             </a:fld>
@@ -2674,7 +2674,7 @@
           <p:cNvPr id="6" name="页脚占位符 5">
             <a:extLst>
               <a:ext uri="{FF2B5EF4-FFF2-40B4-BE49-F238E27FC236}">
-                <a16:creationId xmlns:a16="http://schemas.microsoft.com/office/drawing/2014/main" id="{1C949915-565F-C702-97EA-161F7DF14758}"/>
+                <a16:creationId xmlns:a16="http://schemas.microsoft.com/office/drawing/2014/main" id="{C489E961-86AF-8344-654F-29AA7B51E9C0}"/>
               </a:ext>
             </a:extLst>
           </p:cNvPr>
@@ -2699,7 +2699,7 @@
           <p:cNvPr id="7" name="灯片编号占位符 6">
             <a:extLst>
               <a:ext uri="{FF2B5EF4-FFF2-40B4-BE49-F238E27FC236}">
-                <a16:creationId xmlns:a16="http://schemas.microsoft.com/office/drawing/2014/main" id="{84073A05-40B0-4890-F04F-CC5832CE70E5}"/>
+                <a16:creationId xmlns:a16="http://schemas.microsoft.com/office/drawing/2014/main" id="{9E420F39-5173-C7B6-D17A-AB6BD3CB5B50}"/>
               </a:ext>
             </a:extLst>
           </p:cNvPr>
@@ -2715,7 +2715,7 @@
           <a:bodyPr/>
           <a:lstStyle/>
           <a:p>
-            <a:fld id="{14C52ADF-961C-4221-9537-EE5D45A277AD}" type="slidenum">
+            <a:fld id="{7B52ADDF-65B3-4A45-95E7-E654109108DA}" type="slidenum">
               <a:rPr lang="zh-CN" altLang="en-US" smtClean="0"/>
               <a:t>‹#›</a:t>
             </a:fld>
@@ -2726,7 +2726,7 @@
     </p:spTree>
     <p:extLst>
       <p:ext uri="{BB962C8B-B14F-4D97-AF65-F5344CB8AC3E}">
-        <p14:creationId xmlns:p14="http://schemas.microsoft.com/office/powerpoint/2010/main" val="3984462080"/>
+        <p14:creationId xmlns:p14="http://schemas.microsoft.com/office/powerpoint/2010/main" val="3085373953"/>
       </p:ext>
     </p:extLst>
   </p:cSld>
@@ -2763,7 +2763,7 @@
           <p:cNvPr id="2" name="标题占位符 1">
             <a:extLst>
               <a:ext uri="{FF2B5EF4-FFF2-40B4-BE49-F238E27FC236}">
-                <a16:creationId xmlns:a16="http://schemas.microsoft.com/office/drawing/2014/main" id="{9DD1C936-E6C8-CB53-F51E-09B0C6B6D122}"/>
+                <a16:creationId xmlns:a16="http://schemas.microsoft.com/office/drawing/2014/main" id="{EDF6808F-5E80-0730-5DA1-8E5B5AD6C21F}"/>
               </a:ext>
             </a:extLst>
           </p:cNvPr>
@@ -2801,7 +2801,7 @@
           <p:cNvPr id="3" name="文本占位符 2">
             <a:extLst>
               <a:ext uri="{FF2B5EF4-FFF2-40B4-BE49-F238E27FC236}">
-                <a16:creationId xmlns:a16="http://schemas.microsoft.com/office/drawing/2014/main" id="{C6D6B0E4-97C2-108D-8F19-EDC84ADE89BD}"/>
+                <a16:creationId xmlns:a16="http://schemas.microsoft.com/office/drawing/2014/main" id="{48F29800-8F06-EB66-4041-0FAFD0D715AC}"/>
               </a:ext>
             </a:extLst>
           </p:cNvPr>
@@ -2868,7 +2868,7 @@
           <p:cNvPr id="4" name="日期占位符 3">
             <a:extLst>
               <a:ext uri="{FF2B5EF4-FFF2-40B4-BE49-F238E27FC236}">
-                <a16:creationId xmlns:a16="http://schemas.microsoft.com/office/drawing/2014/main" id="{A01B76E6-6FC0-4DAD-4A26-60DFE44148AC}"/>
+                <a16:creationId xmlns:a16="http://schemas.microsoft.com/office/drawing/2014/main" id="{9AC62D88-4F25-46D8-7826-A05D8BCB481F}"/>
               </a:ext>
             </a:extLst>
           </p:cNvPr>
@@ -2902,7 +2902,7 @@
             </a:lvl1pPr>
           </a:lstStyle>
           <a:p>
-            <a:fld id="{ABC8152E-0E85-4E67-B25A-8AD08B6B68E1}" type="datetimeFigureOut">
+            <a:fld id="{79AC3370-951D-4389-9795-11E86449AED7}" type="datetimeFigureOut">
               <a:rPr lang="zh-CN" altLang="en-US" smtClean="0"/>
               <a:t>2024/3/10</a:t>
             </a:fld>
@@ -2915,7 +2915,7 @@
           <p:cNvPr id="5" name="页脚占位符 4">
             <a:extLst>
               <a:ext uri="{FF2B5EF4-FFF2-40B4-BE49-F238E27FC236}">
-                <a16:creationId xmlns:a16="http://schemas.microsoft.com/office/drawing/2014/main" id="{A24C9F09-C4EC-956E-D9B4-4D03485FFB66}"/>
+                <a16:creationId xmlns:a16="http://schemas.microsoft.com/office/drawing/2014/main" id="{8ED47C2D-39D7-C2FC-C1A0-726988AF51B7}"/>
               </a:ext>
             </a:extLst>
           </p:cNvPr>
@@ -2958,7 +2958,7 @@
           <p:cNvPr id="6" name="灯片编号占位符 5">
             <a:extLst>
               <a:ext uri="{FF2B5EF4-FFF2-40B4-BE49-F238E27FC236}">
-                <a16:creationId xmlns:a16="http://schemas.microsoft.com/office/drawing/2014/main" id="{4B7C27D1-F2E1-A959-F560-D268A0C6EB18}"/>
+                <a16:creationId xmlns:a16="http://schemas.microsoft.com/office/drawing/2014/main" id="{8D3CD4C2-FD19-17CF-1CAE-E82AF182FE9F}"/>
               </a:ext>
             </a:extLst>
           </p:cNvPr>
@@ -2992,7 +2992,7 @@
             </a:lvl1pPr>
           </a:lstStyle>
           <a:p>
-            <a:fld id="{14C52ADF-961C-4221-9537-EE5D45A277AD}" type="slidenum">
+            <a:fld id="{7B52ADDF-65B3-4A45-95E7-E654109108DA}" type="slidenum">
               <a:rPr lang="zh-CN" altLang="en-US" smtClean="0"/>
               <a:t>‹#›</a:t>
             </a:fld>
@@ -3003,7 +3003,7 @@
     </p:spTree>
     <p:extLst>
       <p:ext uri="{BB962C8B-B14F-4D97-AF65-F5344CB8AC3E}">
-        <p14:creationId xmlns:p14="http://schemas.microsoft.com/office/powerpoint/2010/main" val="2815191477"/>
+        <p14:creationId xmlns:p14="http://schemas.microsoft.com/office/powerpoint/2010/main" val="948335944"/>
       </p:ext>
     </p:extLst>
   </p:cSld>
@@ -3323,7 +3323,7 @@
       </p:grpSpPr>
       <p:pic>
         <p:nvPicPr>
-          <p:cNvPr id="403458" name="Picture 2" descr="393"/>
+          <p:cNvPr id="404482" name="Picture 2" descr="394"/>
           <p:cNvPicPr>
             <a:picLocks noChangeAspect="1" noChangeArrowheads="1"/>
           </p:cNvPicPr>
@@ -3345,7 +3345,7 @@
         <p:spPr bwMode="auto">
           <a:xfrm>
             <a:off x="1524000" y="0"/>
-            <a:ext cx="9144000" cy="6858000"/>
+            <a:ext cx="9144000" cy="6859588"/>
           </a:xfrm>
           <a:prstGeom prst="rect">
             <a:avLst/>
@@ -3375,11 +3375,158 @@
           </a:extLst>
         </p:spPr>
       </p:pic>
+      <p:pic>
+        <p:nvPicPr>
+          <p:cNvPr id="405507" name="Picture 3" descr="394-2"/>
+          <p:cNvPicPr>
+            <a:picLocks noChangeAspect="1" noChangeArrowheads="1"/>
+          </p:cNvPicPr>
+          <p:nvPr/>
+        </p:nvPicPr>
+        <p:blipFill>
+          <a:blip r:embed="rId3">
+            <a:extLst>
+              <a:ext uri="{28A0092B-C50C-407E-A947-70E740481C1C}">
+                <a14:useLocalDpi xmlns:a14="http://schemas.microsoft.com/office/drawing/2010/main" val="0"/>
+              </a:ext>
+            </a:extLst>
+          </a:blip>
+          <a:srcRect/>
+          <a:stretch>
+            <a:fillRect/>
+          </a:stretch>
+        </p:blipFill>
+        <p:spPr bwMode="auto">
+          <a:xfrm>
+            <a:off x="1524000" y="0"/>
+            <a:ext cx="9144000" cy="6858000"/>
+          </a:xfrm>
+          <a:prstGeom prst="rect">
+            <a:avLst/>
+          </a:prstGeom>
+          <a:noFill/>
+          <a:ln>
+            <a:noFill/>
+          </a:ln>
+          <a:effectLst/>
+          <a:extLst>
+            <a:ext uri="{909E8E84-426E-40DD-AFC4-6F175D3DCCD1}">
+              <a14:hiddenFill xmlns:a14="http://schemas.microsoft.com/office/drawing/2010/main">
+                <a:solidFill>
+                  <a:srgbClr val="FFFFFF"/>
+                </a:solidFill>
+              </a14:hiddenFill>
+            </a:ext>
+            <a:ext uri="{91240B29-F687-4F45-9708-019B960494DF}">
+              <a14:hiddenLine xmlns:a14="http://schemas.microsoft.com/office/drawing/2010/main" w="9525">
+                <a:solidFill>
+                  <a:srgbClr val="000000"/>
+                </a:solidFill>
+                <a:miter lim="800000"/>
+                <a:headEnd/>
+                <a:tailEnd/>
+              </a14:hiddenLine>
+            </a:ext>
+            <a:ext uri="{AF507438-7753-43E0-B8FC-AC1667EBCBE1}">
+              <a14:hiddenEffects xmlns:a14="http://schemas.microsoft.com/office/drawing/2010/main">
+                <a:effectLst>
+                  <a:outerShdw dist="35921" dir="2700000" algn="ctr" rotWithShape="0">
+                    <a:srgbClr val="808080"/>
+                  </a:outerShdw>
+                </a:effectLst>
+              </a14:hiddenEffects>
+            </a:ext>
+          </a:extLst>
+        </p:spPr>
+      </p:pic>
     </p:spTree>
   </p:cSld>
   <p:clrMapOvr>
     <a:masterClrMapping/>
   </p:clrMapOvr>
+  <p:timing>
+    <p:tnLst>
+      <p:par>
+        <p:cTn id="1" dur="indefinite" restart="never" nodeType="tmRoot">
+          <p:childTnLst>
+            <p:seq concurrent="1" nextAc="seek">
+              <p:cTn id="2" dur="indefinite" nodeType="mainSeq">
+                <p:childTnLst>
+                  <p:par>
+                    <p:cTn id="3" fill="hold" nodeType="clickPar">
+                      <p:stCondLst>
+                        <p:cond delay="indefinite"/>
+                      </p:stCondLst>
+                      <p:childTnLst>
+                        <p:par>
+                          <p:cTn id="4" fill="hold" nodeType="withGroup">
+                            <p:stCondLst>
+                              <p:cond delay="0"/>
+                            </p:stCondLst>
+                            <p:childTnLst>
+                              <p:par>
+                                <p:cTn id="5" presetID="10" presetClass="entr" presetSubtype="0" fill="hold" nodeType="clickEffect">
+                                  <p:stCondLst>
+                                    <p:cond delay="0"/>
+                                  </p:stCondLst>
+                                  <p:childTnLst>
+                                    <p:set>
+                                      <p:cBhvr>
+                                        <p:cTn id="6" dur="1" fill="hold">
+                                          <p:stCondLst>
+                                            <p:cond delay="0"/>
+                                          </p:stCondLst>
+                                        </p:cTn>
+                                        <p:tgtEl>
+                                          <p:spTgt spid="405507"/>
+                                        </p:tgtEl>
+                                        <p:attrNameLst>
+                                          <p:attrName>style.visibility</p:attrName>
+                                        </p:attrNameLst>
+                                      </p:cBhvr>
+                                      <p:to>
+                                        <p:strVal val="visible"/>
+                                      </p:to>
+                                    </p:set>
+                                    <p:animEffect transition="in" filter="fade">
+                                      <p:cBhvr>
+                                        <p:cTn id="7" dur="500"/>
+                                        <p:tgtEl>
+                                          <p:spTgt spid="405507"/>
+                                        </p:tgtEl>
+                                      </p:cBhvr>
+                                    </p:animEffect>
+                                  </p:childTnLst>
+                                </p:cTn>
+                              </p:par>
+                            </p:childTnLst>
+                          </p:cTn>
+                        </p:par>
+                      </p:childTnLst>
+                    </p:cTn>
+                  </p:par>
+                </p:childTnLst>
+              </p:cTn>
+              <p:prevCondLst>
+                <p:cond evt="onPrev" delay="0">
+                  <p:tgtEl>
+                    <p:sldTgt/>
+                  </p:tgtEl>
+                </p:cond>
+              </p:prevCondLst>
+              <p:nextCondLst>
+                <p:cond evt="onNext" delay="0">
+                  <p:tgtEl>
+                    <p:sldTgt/>
+                  </p:tgtEl>
+                </p:cond>
+              </p:nextCondLst>
+            </p:seq>
+          </p:childTnLst>
+        </p:cTn>
+      </p:par>
+    </p:tnLst>
+  </p:timing>
 </p:sld>
 </file>
 
